--- a/Capstone Project Powerpoint.pptx
+++ b/Capstone Project Powerpoint.pptx
@@ -108,6 +108,11 @@
       </a:defRPr>
     </a:lvl9pPr>
   </p:defaultTextStyle>
+  <p:extLst>
+    <p:ext uri="{EFAFB233-063F-42B5-8137-9DF3F51BA10A}">
+      <p15:sldGuideLst xmlns:p15="http://schemas.microsoft.com/office/powerpoint/2012/main"/>
+    </p:ext>
+  </p:extLst>
 </p:presentation>
 </file>
 
@@ -320,7 +325,7 @@
           <a:p>
             <a:fld id="{C485584D-7D79-4248-9986-4CA35242F944}" type="datetimeFigureOut">
               <a:rPr lang="en-US" smtClean="0"/>
-              <a:t>2/1/2023</a:t>
+              <a:t>2/2/2023</a:t>
             </a:fld>
             <a:endParaRPr lang="en-US"/>
           </a:p>
@@ -694,7 +699,7 @@
           <a:p>
             <a:fld id="{C485584D-7D79-4248-9986-4CA35242F944}" type="datetimeFigureOut">
               <a:rPr lang="en-US" smtClean="0"/>
-              <a:t>2/1/2023</a:t>
+              <a:t>2/2/2023</a:t>
             </a:fld>
             <a:endParaRPr lang="en-US"/>
           </a:p>
@@ -904,7 +909,7 @@
           <a:p>
             <a:fld id="{C485584D-7D79-4248-9986-4CA35242F944}" type="datetimeFigureOut">
               <a:rPr lang="en-US" smtClean="0"/>
-              <a:t>2/1/2023</a:t>
+              <a:t>2/2/2023</a:t>
             </a:fld>
             <a:endParaRPr lang="en-US"/>
           </a:p>
@@ -1103,7 +1108,7 @@
           <a:p>
             <a:fld id="{C485584D-7D79-4248-9986-4CA35242F944}" type="datetimeFigureOut">
               <a:rPr lang="en-US" smtClean="0"/>
-              <a:t>2/1/2023</a:t>
+              <a:t>2/2/2023</a:t>
             </a:fld>
             <a:endParaRPr lang="en-US"/>
           </a:p>
@@ -1216,7 +1221,7 @@
           <a:p>
             <a:fld id="{C485584D-7D79-4248-9986-4CA35242F944}" type="datetimeFigureOut">
               <a:rPr lang="en-US" smtClean="0"/>
-              <a:t>2/1/2023</a:t>
+              <a:t>2/2/2023</a:t>
             </a:fld>
             <a:endParaRPr lang="en-US"/>
           </a:p>
@@ -1952,7 +1957,7 @@
           <a:p>
             <a:fld id="{C485584D-7D79-4248-9986-4CA35242F944}" type="datetimeFigureOut">
               <a:rPr lang="en-US" smtClean="0"/>
-              <a:t>2/1/2023</a:t>
+              <a:t>2/2/2023</a:t>
             </a:fld>
             <a:endParaRPr lang="en-US"/>
           </a:p>
@@ -2368,7 +2373,7 @@
           <a:p>
             <a:fld id="{C485584D-7D79-4248-9986-4CA35242F944}" type="datetimeFigureOut">
               <a:rPr lang="en-US" smtClean="0"/>
-              <a:t>2/1/2023</a:t>
+              <a:t>2/2/2023</a:t>
             </a:fld>
             <a:endParaRPr lang="en-US"/>
           </a:p>
@@ -2509,7 +2514,7 @@
           <a:p>
             <a:fld id="{C485584D-7D79-4248-9986-4CA35242F944}" type="datetimeFigureOut">
               <a:rPr lang="en-US" smtClean="0"/>
-              <a:t>2/1/2023</a:t>
+              <a:t>2/2/2023</a:t>
             </a:fld>
             <a:endParaRPr lang="en-US"/>
           </a:p>
@@ -2622,7 +2627,7 @@
           <a:p>
             <a:fld id="{C485584D-7D79-4248-9986-4CA35242F944}" type="datetimeFigureOut">
               <a:rPr lang="en-US" smtClean="0"/>
-              <a:t>2/1/2023</a:t>
+              <a:t>2/2/2023</a:t>
             </a:fld>
             <a:endParaRPr lang="en-US"/>
           </a:p>
@@ -2935,7 +2940,7 @@
           <a:p>
             <a:fld id="{C485584D-7D79-4248-9986-4CA35242F944}" type="datetimeFigureOut">
               <a:rPr lang="en-US" smtClean="0"/>
-              <a:t>2/1/2023</a:t>
+              <a:t>2/2/2023</a:t>
             </a:fld>
             <a:endParaRPr lang="en-US"/>
           </a:p>
@@ -3227,7 +3232,7 @@
           <a:p>
             <a:fld id="{C485584D-7D79-4248-9986-4CA35242F944}" type="datetimeFigureOut">
               <a:rPr lang="en-US" smtClean="0"/>
-              <a:t>2/1/2023</a:t>
+              <a:t>2/2/2023</a:t>
             </a:fld>
             <a:endParaRPr lang="en-US"/>
           </a:p>
@@ -3511,7 +3516,7 @@
           <a:p>
             <a:fld id="{C485584D-7D79-4248-9986-4CA35242F944}" type="datetimeFigureOut">
               <a:rPr lang="en-US" smtClean="0"/>
-              <a:t>2/1/2023</a:t>
+              <a:t>2/2/2023</a:t>
             </a:fld>
             <a:endParaRPr lang="en-US"/>
           </a:p>
@@ -6420,7 +6425,7 @@
         </p:blipFill>
         <p:spPr>
           <a:xfrm>
-            <a:off x="749694" y="1963685"/>
+            <a:off x="788935" y="799903"/>
             <a:ext cx="4395946" cy="2930630"/>
           </a:xfrm>
           <a:prstGeom prst="rect">
@@ -6632,6 +6637,41 @@
           </p:style>
         </p:cxnSp>
       </p:grpSp>
+      <p:sp>
+        <p:nvSpPr>
+          <p:cNvPr id="3" name="TextBox 2">
+            <a:extLst>
+              <a:ext uri="{FF2B5EF4-FFF2-40B4-BE49-F238E27FC236}">
+                <a16:creationId xmlns:a16="http://schemas.microsoft.com/office/drawing/2014/main" id="{6C71BB4D-187D-E414-75CD-F2EBC3CD31A9}"/>
+              </a:ext>
+            </a:extLst>
+          </p:cNvPr>
+          <p:cNvSpPr txBox="1"/>
+          <p:nvPr/>
+        </p:nvSpPr>
+        <p:spPr>
+          <a:xfrm>
+            <a:off x="1242534" y="4204489"/>
+            <a:ext cx="3731977" cy="1200329"/>
+          </a:xfrm>
+          <a:prstGeom prst="rect">
+            <a:avLst/>
+          </a:prstGeom>
+          <a:noFill/>
+        </p:spPr>
+        <p:txBody>
+          <a:bodyPr wrap="square" rtlCol="0">
+            <a:spAutoFit/>
+          </a:bodyPr>
+          <a:lstStyle/>
+          <a:p>
+            <a:r>
+              <a:rPr lang="en-US" dirty="0"/>
+              <a:t>To make this graph, I first grouped all titles together by their release year and then summed the sales for each year according to their region.</a:t>
+            </a:r>
+          </a:p>
+        </p:txBody>
+      </p:sp>
     </p:spTree>
     <p:extLst>
       <p:ext uri="{BB962C8B-B14F-4D97-AF65-F5344CB8AC3E}">
